--- a/第6章-面向对象程序设计/第6章-面向对象程序设计.pptx
+++ b/第6章-面向对象程序设计/第6章-面向对象程序设计.pptx
@@ -6,10 +6,10 @@
     <p:sldMasterId id="2147484986" r:id="rId2"/>
   </p:sldMasterIdLst>
   <p:notesMasterIdLst>
-    <p:notesMasterId r:id="rId26"/>
+    <p:notesMasterId r:id="rId27"/>
   </p:notesMasterIdLst>
   <p:handoutMasterIdLst>
-    <p:handoutMasterId r:id="rId27"/>
+    <p:handoutMasterId r:id="rId28"/>
   </p:handoutMasterIdLst>
   <p:sldIdLst>
     <p:sldId id="2708" r:id="rId3"/>
@@ -34,12 +34,13 @@
     <p:sldId id="2788" r:id="rId22"/>
     <p:sldId id="2784" r:id="rId23"/>
     <p:sldId id="2779" r:id="rId24"/>
-    <p:sldId id="2760" r:id="rId25"/>
+    <p:sldId id="2741" r:id="rId25"/>
+    <p:sldId id="2792" r:id="rId26"/>
   </p:sldIdLst>
   <p:sldSz cx="12192000" cy="6858000"/>
   <p:notesSz cx="7099300" cy="10234613"/>
   <p:custDataLst>
-    <p:tags r:id="rId28"/>
+    <p:tags r:id="rId29"/>
   </p:custDataLst>
   <p:defaultTextStyle>
     <a:defPPr>
@@ -2596,7 +2597,7 @@
               </a14:hiddenFill>
             </a:ext>
             <a:ext uri="{FAA26D3D-D897-4be2-8F04-BA451C77F1D7}">
-              <ma14:placeholderFlag xmlns="" xmlns:ma14="http://schemas.microsoft.com/office/mac/drawingml/2011/main" val="1"/>
+              <ma14:placeholderFlag xmlns:ma14="http://schemas.microsoft.com/office/mac/drawingml/2011/main" xmlns="" val="1"/>
             </a:ext>
           </a:extLst>
         </p:spPr>
@@ -2984,7 +2985,7 @@
               </a14:hiddenLine>
             </a:ext>
             <a:ext uri="{FAA26D3D-D897-4be2-8F04-BA451C77F1D7}">
-              <ma14:placeholderFlag xmlns="" xmlns:ma14="http://schemas.microsoft.com/office/mac/drawingml/2011/main" val="1"/>
+              <ma14:placeholderFlag xmlns:ma14="http://schemas.microsoft.com/office/mac/drawingml/2011/main" xmlns="" val="1"/>
             </a:ext>
           </a:extLst>
         </p:spPr>
@@ -4411,12 +4412,7 @@
             <p:ph type="sldImg"/>
           </p:nvPr>
         </p:nvSpPr>
-        <p:spPr>
-          <a:xfrm>
-            <a:off x="142875" y="768350"/>
-            <a:ext cx="6818313" cy="3836988"/>
-          </a:xfrm>
-        </p:spPr>
+        <p:spPr/>
       </p:sp>
       <p:sp>
         <p:nvSpPr>
@@ -4433,14 +4429,93 @@
           <a:bodyPr/>
           <a:lstStyle/>
           <a:p>
-            <a:endParaRPr lang="zh-CN" altLang="en-US"/>
+            <a:endParaRPr lang="zh-CN" altLang="en-US" dirty="0"/>
           </a:p>
         </p:txBody>
       </p:sp>
     </p:spTree>
     <p:extLst>
       <p:ext uri="{BB962C8B-B14F-4D97-AF65-F5344CB8AC3E}">
-        <p14:creationId xmlns:p14="http://schemas.microsoft.com/office/powerpoint/2010/main" val="3241313290"/>
+        <p14:creationId xmlns:p14="http://schemas.microsoft.com/office/powerpoint/2010/main" val="3363326210"/>
+      </p:ext>
+    </p:extLst>
+  </p:cSld>
+  <p:clrMapOvr>
+    <a:masterClrMapping/>
+  </p:clrMapOvr>
+</p:notes>
+</file>
+
+<file path=ppt/notesSlides/notesSlide24.xml><?xml version="1.0" encoding="utf-8"?>
+<p:notes xmlns:a="http://schemas.openxmlformats.org/drawingml/2006/main" xmlns:r="http://schemas.openxmlformats.org/officeDocument/2006/relationships" xmlns:p="http://schemas.openxmlformats.org/presentationml/2006/main">
+  <p:cSld>
+    <p:spTree>
+      <p:nvGrpSpPr>
+        <p:cNvPr id="1" name="">
+          <a:extLst>
+            <a:ext uri="{FF2B5EF4-FFF2-40B4-BE49-F238E27FC236}">
+              <a16:creationId xmlns:a16="http://schemas.microsoft.com/office/drawing/2014/main" id="{3B794A81-9685-5767-7DB3-C948D02C23C0}"/>
+            </a:ext>
+          </a:extLst>
+        </p:cNvPr>
+        <p:cNvGrpSpPr/>
+        <p:nvPr/>
+      </p:nvGrpSpPr>
+      <p:grpSpPr>
+        <a:xfrm>
+          <a:off x="0" y="0"/>
+          <a:ext cx="0" cy="0"/>
+          <a:chOff x="0" y="0"/>
+          <a:chExt cx="0" cy="0"/>
+        </a:xfrm>
+      </p:grpSpPr>
+      <p:sp>
+        <p:nvSpPr>
+          <p:cNvPr id="2" name="幻灯片图像占位符 1">
+            <a:extLst>
+              <a:ext uri="{FF2B5EF4-FFF2-40B4-BE49-F238E27FC236}">
+                <a16:creationId xmlns:a16="http://schemas.microsoft.com/office/drawing/2014/main" id="{FAB083EB-70EF-41EA-D01D-CB18E2F9E8C7}"/>
+              </a:ext>
+            </a:extLst>
+          </p:cNvPr>
+          <p:cNvSpPr>
+            <a:spLocks noGrp="1" noRot="1" noChangeAspect="1"/>
+          </p:cNvSpPr>
+          <p:nvPr>
+            <p:ph type="sldImg"/>
+          </p:nvPr>
+        </p:nvSpPr>
+        <p:spPr/>
+      </p:sp>
+      <p:sp>
+        <p:nvSpPr>
+          <p:cNvPr id="3" name="备注占位符 2">
+            <a:extLst>
+              <a:ext uri="{FF2B5EF4-FFF2-40B4-BE49-F238E27FC236}">
+                <a16:creationId xmlns:a16="http://schemas.microsoft.com/office/drawing/2014/main" id="{DF072144-D10E-E296-B1B7-0860B07E8A7E}"/>
+              </a:ext>
+            </a:extLst>
+          </p:cNvPr>
+          <p:cNvSpPr>
+            <a:spLocks noGrp="1"/>
+          </p:cNvSpPr>
+          <p:nvPr>
+            <p:ph type="body" idx="1"/>
+          </p:nvPr>
+        </p:nvSpPr>
+        <p:spPr/>
+        <p:txBody>
+          <a:bodyPr/>
+          <a:lstStyle/>
+          <a:p>
+            <a:endParaRPr lang="zh-CN" altLang="en-US" dirty="0"/>
+          </a:p>
+        </p:txBody>
+      </p:sp>
+    </p:spTree>
+    <p:extLst>
+      <p:ext uri="{BB962C8B-B14F-4D97-AF65-F5344CB8AC3E}">
+        <p14:creationId xmlns:p14="http://schemas.microsoft.com/office/powerpoint/2010/main" val="3331454868"/>
       </p:ext>
     </p:extLst>
   </p:cSld>
@@ -6821,7 +6896,7 @@
               </a14:hiddenLine>
             </a:ext>
             <a:ext uri="{FAA26D3D-D897-4be2-8F04-BA451C77F1D7}">
-              <ma14:placeholderFlag xmlns="" xmlns:ma14="http://schemas.microsoft.com/office/mac/drawingml/2011/main" val="1"/>
+              <ma14:placeholderFlag xmlns:ma14="http://schemas.microsoft.com/office/mac/drawingml/2011/main" xmlns="" val="1"/>
             </a:ext>
           </a:extLst>
         </p:spPr>
@@ -10517,7 +10592,7 @@
               </a14:hiddenLine>
             </a:ext>
             <a:ext uri="{FAA26D3D-D897-4be2-8F04-BA451C77F1D7}">
-              <ma14:placeholderFlag xmlns="" xmlns:ma14="http://schemas.microsoft.com/office/mac/drawingml/2011/main" val="1"/>
+              <ma14:placeholderFlag xmlns:ma14="http://schemas.microsoft.com/office/mac/drawingml/2011/main" xmlns="" val="1"/>
             </a:ext>
           </a:extLst>
         </p:spPr>
@@ -11993,7 +12068,7 @@
                 <a:latin typeface="微软雅黑"/>
                 <a:ea typeface="微软雅黑"/>
               </a:rPr>
-              <a:t>第六章 面向对象编程</a:t>
+              <a:t>第六章 面向对象程序设计</a:t>
             </a:r>
             <a:endParaRPr lang="zh-CN" altLang="zh-CN" sz="4800" b="1" dirty="0">
               <a:solidFill>
@@ -12441,8 +12516,8 @@
         </p:nvSpPr>
         <p:spPr>
           <a:xfrm>
-            <a:off x="6715642" y="243144"/>
-            <a:ext cx="3772188" cy="369332"/>
+            <a:off x="6512863" y="243144"/>
+            <a:ext cx="4177747" cy="369332"/>
           </a:xfrm>
           <a:prstGeom prst="rect">
             <a:avLst/>
@@ -12483,7 +12558,27 @@
                 <a:latin typeface="+mn-ea"/>
                 <a:ea typeface="+mn-ea"/>
               </a:rPr>
-              <a:t> 编程基础</a:t>
+              <a:t> </a:t>
+            </a:r>
+            <a:r>
+              <a:rPr lang="zh-CN" altLang="en-US" sz="1800" b="1" dirty="0">
+                <a:solidFill>
+                  <a:schemeClr val="bg2"/>
+                </a:solidFill>
+                <a:latin typeface="+mn-ea"/>
+                <a:ea typeface="+mn-ea"/>
+              </a:rPr>
+              <a:t>地学</a:t>
+            </a:r>
+            <a:r>
+              <a:rPr lang="en-CN" sz="1800" b="1" dirty="0">
+                <a:solidFill>
+                  <a:schemeClr val="bg2"/>
+                </a:solidFill>
+                <a:latin typeface="+mn-ea"/>
+                <a:ea typeface="+mn-ea"/>
+              </a:rPr>
+              <a:t>编程基础</a:t>
             </a:r>
             <a:r>
               <a:rPr lang="en-US" altLang="zh-CN" sz="1800" b="1" dirty="0">
@@ -12585,8 +12680,8 @@
         </p:nvSpPr>
         <p:spPr>
           <a:xfrm>
-            <a:off x="1524001" y="8526"/>
-            <a:ext cx="9013371" cy="792162"/>
+            <a:off x="1" y="8526"/>
+            <a:ext cx="10537372" cy="792162"/>
           </a:xfrm>
         </p:spPr>
         <p:txBody>
@@ -13885,8 +13980,8 @@
         </p:nvSpPr>
         <p:spPr>
           <a:xfrm>
-            <a:off x="1524001" y="8526"/>
-            <a:ext cx="9013371" cy="792162"/>
+            <a:off x="1" y="8526"/>
+            <a:ext cx="10537372" cy="792162"/>
           </a:xfrm>
         </p:spPr>
         <p:txBody>
@@ -14401,8 +14496,8 @@
         </p:nvSpPr>
         <p:spPr>
           <a:xfrm>
-            <a:off x="1524001" y="8526"/>
-            <a:ext cx="9013371" cy="792162"/>
+            <a:off x="1" y="8526"/>
+            <a:ext cx="10537372" cy="792162"/>
           </a:xfrm>
         </p:spPr>
         <p:txBody>
@@ -14973,8 +15068,8 @@
         </p:nvSpPr>
         <p:spPr>
           <a:xfrm>
-            <a:off x="1524001" y="8526"/>
-            <a:ext cx="9013371" cy="792162"/>
+            <a:off x="1" y="8526"/>
+            <a:ext cx="10537372" cy="792162"/>
           </a:xfrm>
         </p:spPr>
         <p:txBody>
@@ -15606,8 +15701,8 @@
         </p:nvSpPr>
         <p:spPr>
           <a:xfrm>
-            <a:off x="1524001" y="8526"/>
-            <a:ext cx="9013371" cy="792162"/>
+            <a:off x="1" y="8526"/>
+            <a:ext cx="10537372" cy="792162"/>
           </a:xfrm>
         </p:spPr>
         <p:txBody>
@@ -16033,8 +16128,8 @@
         </p:nvSpPr>
         <p:spPr>
           <a:xfrm>
-            <a:off x="1524001" y="8526"/>
-            <a:ext cx="9013371" cy="792162"/>
+            <a:off x="1" y="8526"/>
+            <a:ext cx="10537372" cy="792162"/>
           </a:xfrm>
         </p:spPr>
         <p:txBody>
@@ -17126,8 +17221,8 @@
         </p:nvSpPr>
         <p:spPr>
           <a:xfrm>
-            <a:off x="1524001" y="8526"/>
-            <a:ext cx="9013371" cy="792162"/>
+            <a:off x="1" y="8526"/>
+            <a:ext cx="10537372" cy="792162"/>
           </a:xfrm>
         </p:spPr>
         <p:txBody>
@@ -18829,8 +18924,8 @@
         </p:nvSpPr>
         <p:spPr>
           <a:xfrm>
-            <a:off x="1524001" y="8526"/>
-            <a:ext cx="9013371" cy="792162"/>
+            <a:off x="1" y="8526"/>
+            <a:ext cx="10537372" cy="792162"/>
           </a:xfrm>
         </p:spPr>
         <p:txBody>
@@ -18875,8 +18970,8 @@
         </p:nvSpPr>
         <p:spPr>
           <a:xfrm>
-            <a:off x="1841665" y="867665"/>
-            <a:ext cx="8508670" cy="662489"/>
+            <a:off x="0" y="900320"/>
+            <a:ext cx="10350335" cy="662489"/>
           </a:xfrm>
           <a:prstGeom prst="rect">
             <a:avLst/>
@@ -19267,8 +19362,8 @@
         </p:nvSpPr>
         <p:spPr>
           <a:xfrm>
-            <a:off x="1524001" y="8526"/>
-            <a:ext cx="9013371" cy="792162"/>
+            <a:off x="1" y="8526"/>
+            <a:ext cx="10537372" cy="792162"/>
           </a:xfrm>
         </p:spPr>
         <p:txBody>
@@ -19313,8 +19408,8 @@
         </p:nvSpPr>
         <p:spPr>
           <a:xfrm>
-            <a:off x="1841665" y="867665"/>
-            <a:ext cx="8508670" cy="662489"/>
+            <a:off x="457200" y="867665"/>
+            <a:ext cx="9893135" cy="662489"/>
           </a:xfrm>
           <a:prstGeom prst="rect">
             <a:avLst/>
@@ -19716,7 +19811,316 @@
       </p:grpSpPr>
       <p:sp>
         <p:nvSpPr>
-          <p:cNvPr id="3" name="标题 2"/>
+          <p:cNvPr id="4" name="TextBox 10">
+            <a:extLst>
+              <a:ext uri="{FF2B5EF4-FFF2-40B4-BE49-F238E27FC236}">
+                <a16:creationId xmlns:a16="http://schemas.microsoft.com/office/drawing/2014/main" id="{DBE2EB52-1153-547D-4DDB-F105FCA1059C}"/>
+              </a:ext>
+            </a:extLst>
+          </p:cNvPr>
+          <p:cNvSpPr txBox="1"/>
+          <p:nvPr/>
+        </p:nvSpPr>
+        <p:spPr>
+          <a:xfrm>
+            <a:off x="555171" y="832995"/>
+            <a:ext cx="9982202" cy="825419"/>
+          </a:xfrm>
+          <a:prstGeom prst="rect">
+            <a:avLst/>
+          </a:prstGeom>
+          <a:noFill/>
+        </p:spPr>
+        <p:txBody>
+          <a:bodyPr wrap="square" rtlCol="0">
+            <a:spAutoFit/>
+          </a:bodyPr>
+          <a:lstStyle/>
+          <a:p>
+            <a:pPr algn="just">
+              <a:lnSpc>
+                <a:spcPct val="150000"/>
+              </a:lnSpc>
+            </a:pPr>
+            <a:r>
+              <a:rPr lang="zh-CN" altLang="en-US" sz="3600" b="1" dirty="0">
+                <a:solidFill>
+                  <a:srgbClr val="333333"/>
+                </a:solidFill>
+                <a:latin typeface="+mn-ea"/>
+                <a:ea typeface="+mn-ea"/>
+              </a:rPr>
+              <a:t>第六章实验</a:t>
+            </a:r>
+            <a:r>
+              <a:rPr lang="en-US" altLang="zh-CN" sz="3600" b="1" dirty="0">
+                <a:solidFill>
+                  <a:srgbClr val="333333"/>
+                </a:solidFill>
+                <a:latin typeface="+mn-ea"/>
+                <a:ea typeface="+mn-ea"/>
+              </a:rPr>
+              <a:t>-1</a:t>
+            </a:r>
+          </a:p>
+        </p:txBody>
+      </p:sp>
+      <p:sp>
+        <p:nvSpPr>
+          <p:cNvPr id="6" name="TextBox 12">
+            <a:extLst>
+              <a:ext uri="{FF2B5EF4-FFF2-40B4-BE49-F238E27FC236}">
+                <a16:creationId xmlns:a16="http://schemas.microsoft.com/office/drawing/2014/main" id="{68615743-0F76-1E7B-8513-381292D6BC62}"/>
+              </a:ext>
+            </a:extLst>
+          </p:cNvPr>
+          <p:cNvSpPr txBox="1"/>
+          <p:nvPr/>
+        </p:nvSpPr>
+        <p:spPr>
+          <a:xfrm>
+            <a:off x="410818" y="1537249"/>
+            <a:ext cx="11226012" cy="4971169"/>
+          </a:xfrm>
+          <a:prstGeom prst="rect">
+            <a:avLst/>
+          </a:prstGeom>
+          <a:noFill/>
+        </p:spPr>
+        <p:txBody>
+          <a:bodyPr wrap="square">
+            <a:spAutoFit/>
+          </a:bodyPr>
+          <a:lstStyle/>
+          <a:p>
+            <a:pPr algn="just">
+              <a:lnSpc>
+                <a:spcPct val="150000"/>
+              </a:lnSpc>
+            </a:pPr>
+            <a:r>
+              <a:rPr lang="zh-CN" altLang="en-US" sz="3200" b="1" dirty="0">
+                <a:solidFill>
+                  <a:srgbClr val="FF0000"/>
+                </a:solidFill>
+                <a:latin typeface="Times New Roman" panose="02020603050405020304" pitchFamily="18" charset="0"/>
+                <a:ea typeface="+mn-ea"/>
+                <a:cs typeface="Times New Roman" panose="02020603050405020304" pitchFamily="18" charset="0"/>
+              </a:rPr>
+              <a:t>实验目标：</a:t>
+            </a:r>
+            <a:endParaRPr lang="en-US" altLang="zh-CN" sz="3200" b="1" dirty="0">
+              <a:solidFill>
+                <a:srgbClr val="FF0000"/>
+              </a:solidFill>
+              <a:latin typeface="Times New Roman" panose="02020603050405020304" pitchFamily="18" charset="0"/>
+              <a:ea typeface="+mn-ea"/>
+              <a:cs typeface="Times New Roman" panose="02020603050405020304" pitchFamily="18" charset="0"/>
+            </a:endParaRPr>
+          </a:p>
+          <a:p>
+            <a:pPr algn="just">
+              <a:lnSpc>
+                <a:spcPct val="150000"/>
+              </a:lnSpc>
+            </a:pPr>
+            <a:r>
+              <a:rPr lang="zh-CN" altLang="en-US" sz="2800" dirty="0">
+                <a:solidFill>
+                  <a:schemeClr val="bg2"/>
+                </a:solidFill>
+                <a:latin typeface="Times New Roman" panose="02020603050405020304" pitchFamily="18" charset="0"/>
+                <a:ea typeface="+mn-ea"/>
+                <a:cs typeface="Times New Roman" panose="02020603050405020304" pitchFamily="18" charset="0"/>
+              </a:rPr>
+              <a:t>掌握</a:t>
+            </a:r>
+            <a:r>
+              <a:rPr lang="en-US" altLang="zh-CN" sz="2800" dirty="0">
+                <a:solidFill>
+                  <a:schemeClr val="bg2"/>
+                </a:solidFill>
+                <a:latin typeface="Times New Roman" panose="02020603050405020304" pitchFamily="18" charset="0"/>
+                <a:ea typeface="+mn-ea"/>
+                <a:cs typeface="Times New Roman" panose="02020603050405020304" pitchFamily="18" charset="0"/>
+              </a:rPr>
+              <a:t>Python</a:t>
+            </a:r>
+            <a:r>
+              <a:rPr lang="zh-CN" altLang="en-US" sz="2800" dirty="0">
+                <a:solidFill>
+                  <a:schemeClr val="bg2"/>
+                </a:solidFill>
+                <a:latin typeface="Times New Roman" panose="02020603050405020304" pitchFamily="18" charset="0"/>
+                <a:ea typeface="+mn-ea"/>
+                <a:cs typeface="Times New Roman" panose="02020603050405020304" pitchFamily="18" charset="0"/>
+              </a:rPr>
+              <a:t>编程面向对象程序设计编程基本语法</a:t>
+            </a:r>
+            <a:endParaRPr lang="en-US" altLang="zh-CN" sz="2800" dirty="0">
+              <a:solidFill>
+                <a:schemeClr val="bg2"/>
+              </a:solidFill>
+              <a:latin typeface="Times New Roman" panose="02020603050405020304" pitchFamily="18" charset="0"/>
+              <a:ea typeface="+mn-ea"/>
+              <a:cs typeface="Times New Roman" panose="02020603050405020304" pitchFamily="18" charset="0"/>
+            </a:endParaRPr>
+          </a:p>
+          <a:p>
+            <a:pPr algn="just">
+              <a:lnSpc>
+                <a:spcPct val="150000"/>
+              </a:lnSpc>
+            </a:pPr>
+            <a:r>
+              <a:rPr lang="zh-CN" altLang="en-US" sz="3200" b="1" dirty="0">
+                <a:solidFill>
+                  <a:srgbClr val="FF0000"/>
+                </a:solidFill>
+                <a:latin typeface="Times New Roman" panose="02020603050405020304" pitchFamily="18" charset="0"/>
+                <a:ea typeface="+mn-ea"/>
+                <a:cs typeface="Times New Roman" panose="02020603050405020304" pitchFamily="18" charset="0"/>
+              </a:rPr>
+              <a:t>实验内容及要求：</a:t>
+            </a:r>
+            <a:endParaRPr lang="en-US" altLang="zh-CN" sz="3200" b="1" dirty="0">
+              <a:solidFill>
+                <a:srgbClr val="FF0000"/>
+              </a:solidFill>
+              <a:latin typeface="Times New Roman" panose="02020603050405020304" pitchFamily="18" charset="0"/>
+              <a:ea typeface="+mn-ea"/>
+              <a:cs typeface="Times New Roman" panose="02020603050405020304" pitchFamily="18" charset="0"/>
+            </a:endParaRPr>
+          </a:p>
+          <a:p>
+            <a:pPr algn="just">
+              <a:lnSpc>
+                <a:spcPct val="150000"/>
+              </a:lnSpc>
+            </a:pPr>
+            <a:r>
+              <a:rPr lang="zh-CN" altLang="en-US" sz="2800" dirty="0">
+                <a:solidFill>
+                  <a:schemeClr val="bg2"/>
+                </a:solidFill>
+                <a:latin typeface="Times New Roman" panose="02020603050405020304" pitchFamily="18" charset="0"/>
+                <a:ea typeface="+mn-ea"/>
+                <a:cs typeface="Times New Roman" panose="02020603050405020304" pitchFamily="18" charset="0"/>
+              </a:rPr>
+              <a:t>（</a:t>
+            </a:r>
+            <a:r>
+              <a:rPr lang="en-US" altLang="zh-CN" sz="2800" dirty="0">
+                <a:solidFill>
+                  <a:schemeClr val="bg2"/>
+                </a:solidFill>
+                <a:latin typeface="Times New Roman" panose="02020603050405020304" pitchFamily="18" charset="0"/>
+                <a:ea typeface="+mn-ea"/>
+                <a:cs typeface="Times New Roman" panose="02020603050405020304" pitchFamily="18" charset="0"/>
+              </a:rPr>
+              <a:t>1</a:t>
+            </a:r>
+            <a:r>
+              <a:rPr lang="zh-CN" altLang="en-US" sz="2800" dirty="0">
+                <a:solidFill>
+                  <a:schemeClr val="bg2"/>
+                </a:solidFill>
+                <a:latin typeface="Times New Roman" panose="02020603050405020304" pitchFamily="18" charset="0"/>
+                <a:ea typeface="+mn-ea"/>
+                <a:cs typeface="Times New Roman" panose="02020603050405020304" pitchFamily="18" charset="0"/>
+              </a:rPr>
+              <a:t>）学习类与实例的创建、以及类实例函数、类函数、属性函数的创建与使用课程代码（</a:t>
+            </a:r>
+            <a:r>
+              <a:rPr lang="en-US" altLang="zh-CN" sz="2800" dirty="0">
+                <a:solidFill>
+                  <a:schemeClr val="bg2"/>
+                </a:solidFill>
+                <a:latin typeface="Times New Roman" panose="02020603050405020304" pitchFamily="18" charset="0"/>
+                <a:ea typeface="+mn-ea"/>
+                <a:cs typeface="Times New Roman" panose="02020603050405020304" pitchFamily="18" charset="0"/>
+              </a:rPr>
+              <a:t>1</a:t>
+            </a:r>
+            <a:r>
+              <a:rPr lang="zh-CN" altLang="en-US" sz="2800" dirty="0">
+                <a:solidFill>
+                  <a:schemeClr val="bg2"/>
+                </a:solidFill>
+                <a:latin typeface="Times New Roman" panose="02020603050405020304" pitchFamily="18" charset="0"/>
+                <a:ea typeface="+mn-ea"/>
+                <a:cs typeface="Times New Roman" panose="02020603050405020304" pitchFamily="18" charset="0"/>
+              </a:rPr>
+              <a:t>学时）。</a:t>
+            </a:r>
+            <a:endParaRPr lang="en-US" altLang="zh-CN" sz="2800" dirty="0">
+              <a:solidFill>
+                <a:schemeClr val="bg2"/>
+              </a:solidFill>
+              <a:latin typeface="Times New Roman" panose="02020603050405020304" pitchFamily="18" charset="0"/>
+              <a:ea typeface="+mn-ea"/>
+              <a:cs typeface="Times New Roman" panose="02020603050405020304" pitchFamily="18" charset="0"/>
+            </a:endParaRPr>
+          </a:p>
+          <a:p>
+            <a:pPr algn="just">
+              <a:lnSpc>
+                <a:spcPct val="150000"/>
+              </a:lnSpc>
+            </a:pPr>
+            <a:r>
+              <a:rPr lang="zh-CN" altLang="en-US" sz="2800" dirty="0">
+                <a:solidFill>
+                  <a:schemeClr val="bg2"/>
+                </a:solidFill>
+                <a:latin typeface="Times New Roman" panose="02020603050405020304" pitchFamily="18" charset="0"/>
+                <a:ea typeface="+mn-ea"/>
+                <a:cs typeface="Times New Roman" panose="02020603050405020304" pitchFamily="18" charset="0"/>
+              </a:rPr>
+              <a:t>（</a:t>
+            </a:r>
+            <a:r>
+              <a:rPr lang="en-US" altLang="zh-CN" sz="2800" dirty="0">
+                <a:solidFill>
+                  <a:schemeClr val="bg2"/>
+                </a:solidFill>
+                <a:latin typeface="Times New Roman" panose="02020603050405020304" pitchFamily="18" charset="0"/>
+                <a:ea typeface="+mn-ea"/>
+                <a:cs typeface="Times New Roman" panose="02020603050405020304" pitchFamily="18" charset="0"/>
+              </a:rPr>
+              <a:t>2</a:t>
+            </a:r>
+            <a:r>
+              <a:rPr lang="zh-CN" altLang="en-US" sz="2800" dirty="0">
+                <a:solidFill>
+                  <a:schemeClr val="bg2"/>
+                </a:solidFill>
+                <a:latin typeface="Times New Roman" panose="02020603050405020304" pitchFamily="18" charset="0"/>
+                <a:ea typeface="+mn-ea"/>
+                <a:cs typeface="Times New Roman" panose="02020603050405020304" pitchFamily="18" charset="0"/>
+              </a:rPr>
+              <a:t>）学习类的继承，类方法重写，抽象类的使用课程代码。</a:t>
+            </a:r>
+            <a:endParaRPr lang="en-US" altLang="zh-CN" sz="2800" dirty="0">
+              <a:solidFill>
+                <a:schemeClr val="bg2"/>
+              </a:solidFill>
+              <a:latin typeface="Times New Roman" panose="02020603050405020304" pitchFamily="18" charset="0"/>
+              <a:ea typeface="+mn-ea"/>
+              <a:cs typeface="Times New Roman" panose="02020603050405020304" pitchFamily="18" charset="0"/>
+            </a:endParaRPr>
+          </a:p>
+        </p:txBody>
+      </p:sp>
+      <p:sp>
+        <p:nvSpPr>
+          <p:cNvPr id="7" name="标题 2">
+            <a:extLst>
+              <a:ext uri="{FF2B5EF4-FFF2-40B4-BE49-F238E27FC236}">
+                <a16:creationId xmlns:a16="http://schemas.microsoft.com/office/drawing/2014/main" id="{CD437E61-05A1-4F85-4B29-A1D0FEFF5AFD}"/>
+              </a:ext>
+            </a:extLst>
+          </p:cNvPr>
           <p:cNvSpPr>
             <a:spLocks noGrp="1"/>
           </p:cNvSpPr>
@@ -19734,43 +20138,75 @@
           <a:bodyPr/>
           <a:lstStyle/>
           <a:p>
+            <a:pPr fontAlgn="auto">
+              <a:spcBef>
+                <a:spcPts val="0"/>
+              </a:spcBef>
+              <a:spcAft>
+                <a:spcPts val="0"/>
+              </a:spcAft>
+            </a:pPr>
             <a:r>
               <a:rPr lang="zh-CN" altLang="en-US" dirty="0">
                 <a:latin typeface="+mn-ea"/>
               </a:rPr>
-              <a:t>二、</a:t>
+              <a:t>三、</a:t>
             </a:r>
             <a:r>
               <a:rPr lang="zh-CN" altLang="en-US" dirty="0">
                 <a:latin typeface="微软雅黑" pitchFamily="34" charset="-122"/>
                 <a:ea typeface="微软雅黑" pitchFamily="34" charset="-122"/>
               </a:rPr>
-              <a:t>开源桌面</a:t>
-            </a:r>
-            <a:r>
-              <a:rPr lang="en-US" altLang="zh-CN" dirty="0">
-                <a:latin typeface="微软雅黑" pitchFamily="34" charset="-122"/>
-                <a:ea typeface="微软雅黑" pitchFamily="34" charset="-122"/>
-              </a:rPr>
-              <a:t>GIS</a:t>
-            </a:r>
-            <a:r>
-              <a:rPr lang="zh-CN" altLang="en-US" dirty="0">
-                <a:latin typeface="微软雅黑" pitchFamily="34" charset="-122"/>
-                <a:ea typeface="微软雅黑" pitchFamily="34" charset="-122"/>
-              </a:rPr>
-              <a:t>软件软件简介</a:t>
-            </a:r>
-            <a:endParaRPr lang="zh-CN" altLang="en-US" dirty="0"/>
+              <a:t>函数、类和模块</a:t>
+            </a:r>
           </a:p>
         </p:txBody>
       </p:sp>
+    </p:spTree>
+    <p:extLst>
+      <p:ext uri="{BB962C8B-B14F-4D97-AF65-F5344CB8AC3E}">
+        <p14:creationId xmlns:p14="http://schemas.microsoft.com/office/powerpoint/2010/main" val="4207004688"/>
+      </p:ext>
+    </p:extLst>
+  </p:cSld>
+  <p:clrMapOvr>
+    <a:masterClrMapping/>
+  </p:clrMapOvr>
+  <p:transition>
+    <p:fade/>
+  </p:transition>
+</p:sld>
+</file>
+
+<file path=ppt/slides/slide24.xml><?xml version="1.0" encoding="utf-8"?>
+<p:sld xmlns:a="http://schemas.openxmlformats.org/drawingml/2006/main" xmlns:r="http://schemas.openxmlformats.org/officeDocument/2006/relationships" xmlns:p="http://schemas.openxmlformats.org/presentationml/2006/main">
+  <p:cSld>
+    <p:spTree>
+      <p:nvGrpSpPr>
+        <p:cNvPr id="1" name="">
+          <a:extLst>
+            <a:ext uri="{FF2B5EF4-FFF2-40B4-BE49-F238E27FC236}">
+              <a16:creationId xmlns:a16="http://schemas.microsoft.com/office/drawing/2014/main" id="{ABF09DC3-A71F-CF10-E6C4-3A333D520B90}"/>
+            </a:ext>
+          </a:extLst>
+        </p:cNvPr>
+        <p:cNvGrpSpPr/>
+        <p:nvPr/>
+      </p:nvGrpSpPr>
+      <p:grpSpPr>
+        <a:xfrm>
+          <a:off x="0" y="0"/>
+          <a:ext cx="0" cy="0"/>
+          <a:chOff x="0" y="0"/>
+          <a:chExt cx="0" cy="0"/>
+        </a:xfrm>
+      </p:grpSpPr>
       <p:sp>
         <p:nvSpPr>
-          <p:cNvPr id="11" name="TextBox 10">
+          <p:cNvPr id="4" name="TextBox 10">
             <a:extLst>
               <a:ext uri="{FF2B5EF4-FFF2-40B4-BE49-F238E27FC236}">
-                <a16:creationId xmlns:a16="http://schemas.microsoft.com/office/drawing/2014/main" id="{53A7E693-8098-76C4-CD5D-47166ABEB164}"/>
+                <a16:creationId xmlns:a16="http://schemas.microsoft.com/office/drawing/2014/main" id="{0460D51F-5FF0-8DAA-3264-66FADD204E85}"/>
               </a:ext>
             </a:extLst>
           </p:cNvPr>
@@ -19779,8 +20215,8 @@
         </p:nvSpPr>
         <p:spPr>
           <a:xfrm>
-            <a:off x="280851" y="860585"/>
-            <a:ext cx="9972595" cy="743986"/>
+            <a:off x="410818" y="832995"/>
+            <a:ext cx="5042925" cy="825419"/>
           </a:xfrm>
           <a:prstGeom prst="rect">
             <a:avLst/>
@@ -19799,31 +20235,34 @@
               </a:lnSpc>
             </a:pPr>
             <a:r>
-              <a:rPr lang="zh-CN" altLang="en-US" sz="3200" b="1" dirty="0">
+              <a:rPr lang="zh-CN" altLang="en-US" sz="3600" b="1" dirty="0">
                 <a:solidFill>
                   <a:srgbClr val="333333"/>
                 </a:solidFill>
                 <a:latin typeface="+mn-ea"/>
                 <a:ea typeface="+mn-ea"/>
               </a:rPr>
-              <a:t>课后练习</a:t>
-            </a:r>
-            <a:endParaRPr lang="en-US" altLang="zh-CN" sz="3200" b="1" dirty="0">
-              <a:solidFill>
-                <a:srgbClr val="333333"/>
-              </a:solidFill>
-              <a:latin typeface="+mn-ea"/>
-              <a:ea typeface="+mn-ea"/>
-            </a:endParaRPr>
+              <a:t>第六章实验</a:t>
+            </a:r>
+            <a:r>
+              <a:rPr lang="en-US" altLang="zh-CN" sz="3600" b="1" dirty="0">
+                <a:solidFill>
+                  <a:srgbClr val="333333"/>
+                </a:solidFill>
+                <a:latin typeface="+mn-ea"/>
+                <a:ea typeface="+mn-ea"/>
+              </a:rPr>
+              <a:t>-2</a:t>
+            </a:r>
           </a:p>
         </p:txBody>
       </p:sp>
       <p:sp>
         <p:nvSpPr>
-          <p:cNvPr id="13" name="TextBox 12">
+          <p:cNvPr id="6" name="TextBox 12">
             <a:extLst>
               <a:ext uri="{FF2B5EF4-FFF2-40B4-BE49-F238E27FC236}">
-                <a16:creationId xmlns:a16="http://schemas.microsoft.com/office/drawing/2014/main" id="{303BC878-BC57-D350-27A3-F03AE48213AC}"/>
+                <a16:creationId xmlns:a16="http://schemas.microsoft.com/office/drawing/2014/main" id="{AC655DF2-381B-EF2F-E4B4-B255CD2F72DA}"/>
               </a:ext>
             </a:extLst>
           </p:cNvPr>
@@ -19832,8 +20271,8 @@
         </p:nvSpPr>
         <p:spPr>
           <a:xfrm>
-            <a:off x="378824" y="1724777"/>
-            <a:ext cx="10537372" cy="2190793"/>
+            <a:off x="410818" y="1674409"/>
+            <a:ext cx="11495976" cy="4971169"/>
           </a:xfrm>
           <a:prstGeom prst="rect">
             <a:avLst/>
@@ -19848,132 +20287,291 @@
           <a:p>
             <a:pPr algn="just">
               <a:lnSpc>
-                <a:spcPct val="200000"/>
+                <a:spcPct val="150000"/>
               </a:lnSpc>
             </a:pPr>
             <a:r>
-              <a:rPr lang="zh-CN" altLang="en-US" sz="2200" dirty="0">
-                <a:solidFill>
-                  <a:srgbClr val="333333"/>
-                </a:solidFill>
-                <a:latin typeface="+mn-ea"/>
+              <a:rPr lang="zh-CN" altLang="en-US" sz="3200" b="1" dirty="0">
+                <a:solidFill>
+                  <a:srgbClr val="FF0000"/>
+                </a:solidFill>
+                <a:latin typeface="Times New Roman" panose="02020603050405020304" pitchFamily="18" charset="0"/>
                 <a:ea typeface="+mn-ea"/>
-              </a:rPr>
-              <a:t>（</a:t>
-            </a:r>
-            <a:r>
-              <a:rPr lang="en-US" altLang="zh-CN" sz="2200" dirty="0">
-                <a:solidFill>
-                  <a:srgbClr val="333333"/>
-                </a:solidFill>
-                <a:latin typeface="+mn-ea"/>
-                <a:ea typeface="+mn-ea"/>
-              </a:rPr>
-              <a:t>1</a:t>
-            </a:r>
-            <a:r>
-              <a:rPr lang="zh-CN" altLang="en-US" sz="2200" dirty="0">
-                <a:solidFill>
-                  <a:srgbClr val="333333"/>
-                </a:solidFill>
-                <a:latin typeface="+mn-ea"/>
-                <a:ea typeface="+mn-ea"/>
-              </a:rPr>
-              <a:t>）代码学习 </a:t>
-            </a:r>
-            <a:endParaRPr lang="en-US" altLang="zh-CN" sz="2200" dirty="0">
+                <a:cs typeface="Times New Roman" panose="02020603050405020304" pitchFamily="18" charset="0"/>
+              </a:rPr>
+              <a:t>实验目标：</a:t>
+            </a:r>
+            <a:endParaRPr lang="en-US" altLang="zh-CN" sz="3200" b="1" dirty="0">
               <a:solidFill>
-                <a:srgbClr val="333333"/>
+                <a:srgbClr val="FF0000"/>
               </a:solidFill>
-              <a:latin typeface="+mn-ea"/>
+              <a:latin typeface="Times New Roman" panose="02020603050405020304" pitchFamily="18" charset="0"/>
               <a:ea typeface="+mn-ea"/>
+              <a:cs typeface="Times New Roman" panose="02020603050405020304" pitchFamily="18" charset="0"/>
             </a:endParaRPr>
           </a:p>
           <a:p>
             <a:pPr algn="just">
               <a:lnSpc>
-                <a:spcPct val="200000"/>
+                <a:spcPct val="150000"/>
               </a:lnSpc>
             </a:pPr>
             <a:r>
-              <a:rPr lang="zh-CN" altLang="en-US" sz="2200" dirty="0">
-                <a:solidFill>
-                  <a:srgbClr val="333333"/>
-                </a:solidFill>
+              <a:rPr lang="zh-CN" altLang="en-US" sz="2800" dirty="0">
+                <a:solidFill>
+                  <a:schemeClr val="bg2"/>
+                </a:solidFill>
+                <a:latin typeface="Times New Roman" panose="02020603050405020304" pitchFamily="18" charset="0"/>
+                <a:ea typeface="+mn-ea"/>
+                <a:cs typeface="Times New Roman" panose="02020603050405020304" pitchFamily="18" charset="0"/>
+              </a:rPr>
+              <a:t>掌握</a:t>
+            </a:r>
+            <a:r>
+              <a:rPr lang="en-US" altLang="zh-CN" sz="2800" dirty="0">
+                <a:solidFill>
+                  <a:schemeClr val="bg2"/>
+                </a:solidFill>
+                <a:latin typeface="Times New Roman" panose="02020603050405020304" pitchFamily="18" charset="0"/>
+                <a:ea typeface="+mn-ea"/>
+                <a:cs typeface="Times New Roman" panose="02020603050405020304" pitchFamily="18" charset="0"/>
+              </a:rPr>
+              <a:t>Python</a:t>
+            </a:r>
+            <a:r>
+              <a:rPr lang="zh-CN" altLang="en-US" sz="2800" dirty="0">
+                <a:solidFill>
+                  <a:schemeClr val="bg2"/>
+                </a:solidFill>
+                <a:latin typeface="Times New Roman" panose="02020603050405020304" pitchFamily="18" charset="0"/>
+                <a:ea typeface="+mn-ea"/>
+                <a:cs typeface="Times New Roman" panose="02020603050405020304" pitchFamily="18" charset="0"/>
+              </a:rPr>
+              <a:t>编程面向对象程序设计编程</a:t>
+            </a:r>
+            <a:endParaRPr lang="en-US" altLang="zh-CN" sz="2800" dirty="0">
+              <a:solidFill>
+                <a:schemeClr val="bg2"/>
+              </a:solidFill>
+              <a:latin typeface="Times New Roman" panose="02020603050405020304" pitchFamily="18" charset="0"/>
+              <a:ea typeface="+mn-ea"/>
+              <a:cs typeface="Times New Roman" panose="02020603050405020304" pitchFamily="18" charset="0"/>
+            </a:endParaRPr>
+          </a:p>
+          <a:p>
+            <a:pPr algn="just">
+              <a:lnSpc>
+                <a:spcPct val="150000"/>
+              </a:lnSpc>
+            </a:pPr>
+            <a:r>
+              <a:rPr lang="zh-CN" altLang="en-US" sz="3200" b="1" dirty="0">
+                <a:solidFill>
+                  <a:srgbClr val="FF0000"/>
+                </a:solidFill>
+                <a:latin typeface="Times New Roman" panose="02020603050405020304" pitchFamily="18" charset="0"/>
+                <a:ea typeface="+mn-ea"/>
+                <a:cs typeface="Times New Roman" panose="02020603050405020304" pitchFamily="18" charset="0"/>
+              </a:rPr>
+              <a:t>实验内容及要求：</a:t>
+            </a:r>
+            <a:endParaRPr lang="en-US" altLang="zh-CN" sz="3200" b="1" dirty="0">
+              <a:solidFill>
+                <a:srgbClr val="FF0000"/>
+              </a:solidFill>
+              <a:latin typeface="Times New Roman" panose="02020603050405020304" pitchFamily="18" charset="0"/>
+              <a:ea typeface="+mn-ea"/>
+              <a:cs typeface="Times New Roman" panose="02020603050405020304" pitchFamily="18" charset="0"/>
+            </a:endParaRPr>
+          </a:p>
+          <a:p>
+            <a:pPr algn="just">
+              <a:lnSpc>
+                <a:spcPct val="150000"/>
+              </a:lnSpc>
+            </a:pPr>
+            <a:r>
+              <a:rPr lang="zh-CN" altLang="en-US" sz="2800" dirty="0">
+                <a:solidFill>
+                  <a:schemeClr val="bg2"/>
+                </a:solidFill>
+                <a:latin typeface="Times New Roman" panose="02020603050405020304" pitchFamily="18" charset="0"/>
+                <a:ea typeface="+mn-ea"/>
+                <a:cs typeface="Times New Roman" panose="02020603050405020304" pitchFamily="18" charset="0"/>
+              </a:rPr>
+              <a:t>（</a:t>
+            </a:r>
+            <a:r>
+              <a:rPr lang="en-US" altLang="zh-CN" sz="2800" dirty="0">
+                <a:solidFill>
+                  <a:schemeClr val="bg2"/>
+                </a:solidFill>
+                <a:latin typeface="Times New Roman" panose="02020603050405020304" pitchFamily="18" charset="0"/>
+                <a:ea typeface="+mn-ea"/>
+                <a:cs typeface="Times New Roman" panose="02020603050405020304" pitchFamily="18" charset="0"/>
+              </a:rPr>
+              <a:t>1</a:t>
+            </a:r>
+            <a:r>
+              <a:rPr lang="zh-CN" altLang="en-US" sz="2800" dirty="0">
+                <a:solidFill>
+                  <a:schemeClr val="bg2"/>
+                </a:solidFill>
+                <a:latin typeface="Times New Roman" panose="02020603050405020304" pitchFamily="18" charset="0"/>
+                <a:ea typeface="+mn-ea"/>
+                <a:cs typeface="Times New Roman" panose="02020603050405020304" pitchFamily="18" charset="0"/>
+              </a:rPr>
+              <a:t>）设计学生类，要求具有成绩查询功能，计算平均分功能（总体</a:t>
+            </a:r>
+            <a:r>
+              <a:rPr lang="en-US" altLang="zh-CN" sz="2800" dirty="0">
+                <a:solidFill>
+                  <a:schemeClr val="bg2"/>
+                </a:solidFill>
+                <a:latin typeface="Times New Roman" panose="02020603050405020304" pitchFamily="18" charset="0"/>
+                <a:ea typeface="+mn-ea"/>
+                <a:cs typeface="Times New Roman" panose="02020603050405020304" pitchFamily="18" charset="0"/>
+              </a:rPr>
+              <a:t>/</a:t>
+            </a:r>
+            <a:r>
+              <a:rPr lang="zh-CN" altLang="en-US" sz="2800" dirty="0">
+                <a:solidFill>
+                  <a:schemeClr val="bg2"/>
+                </a:solidFill>
+                <a:latin typeface="Times New Roman" panose="02020603050405020304" pitchFamily="18" charset="0"/>
+                <a:ea typeface="+mn-ea"/>
+                <a:cs typeface="Times New Roman" panose="02020603050405020304" pitchFamily="18" charset="0"/>
+              </a:rPr>
+              <a:t>学年），计算加权平均分功能（总体</a:t>
+            </a:r>
+            <a:r>
+              <a:rPr lang="en-US" altLang="zh-CN" sz="2800" dirty="0">
+                <a:solidFill>
+                  <a:schemeClr val="bg2"/>
+                </a:solidFill>
+                <a:latin typeface="Times New Roman" panose="02020603050405020304" pitchFamily="18" charset="0"/>
+                <a:ea typeface="+mn-ea"/>
+                <a:cs typeface="Times New Roman" panose="02020603050405020304" pitchFamily="18" charset="0"/>
+              </a:rPr>
+              <a:t>/</a:t>
+            </a:r>
+            <a:r>
+              <a:rPr lang="zh-CN" altLang="en-US" sz="2800" dirty="0">
+                <a:solidFill>
+                  <a:schemeClr val="bg2"/>
+                </a:solidFill>
+                <a:latin typeface="Times New Roman" panose="02020603050405020304" pitchFamily="18" charset="0"/>
+                <a:ea typeface="+mn-ea"/>
+                <a:cs typeface="Times New Roman" panose="02020603050405020304" pitchFamily="18" charset="0"/>
+              </a:rPr>
+              <a:t>学年）；</a:t>
+            </a:r>
+            <a:endParaRPr lang="en-US" altLang="zh-CN" sz="2800" dirty="0">
+              <a:solidFill>
+                <a:schemeClr val="bg2"/>
+              </a:solidFill>
+              <a:latin typeface="Times New Roman" panose="02020603050405020304" pitchFamily="18" charset="0"/>
+              <a:ea typeface="+mn-ea"/>
+              <a:cs typeface="Times New Roman" panose="02020603050405020304" pitchFamily="18" charset="0"/>
+            </a:endParaRPr>
+          </a:p>
+          <a:p>
+            <a:pPr algn="just">
+              <a:lnSpc>
+                <a:spcPct val="150000"/>
+              </a:lnSpc>
+            </a:pPr>
+            <a:r>
+              <a:rPr lang="zh-CN" altLang="en-US" sz="2800" dirty="0">
+                <a:solidFill>
+                  <a:schemeClr val="bg2"/>
+                </a:solidFill>
+                <a:latin typeface="Times New Roman" panose="02020603050405020304" pitchFamily="18" charset="0"/>
+                <a:ea typeface="+mn-ea"/>
+                <a:cs typeface="Times New Roman" panose="02020603050405020304" pitchFamily="18" charset="0"/>
+              </a:rPr>
+              <a:t>（</a:t>
+            </a:r>
+            <a:r>
+              <a:rPr lang="en-US" altLang="zh-CN" sz="2800" dirty="0">
+                <a:solidFill>
+                  <a:schemeClr val="bg2"/>
+                </a:solidFill>
+                <a:latin typeface="Times New Roman" panose="02020603050405020304" pitchFamily="18" charset="0"/>
+                <a:ea typeface="+mn-ea"/>
+                <a:cs typeface="Times New Roman" panose="02020603050405020304" pitchFamily="18" charset="0"/>
+              </a:rPr>
+              <a:t>2</a:t>
+            </a:r>
+            <a:r>
+              <a:rPr lang="zh-CN" altLang="en-US" sz="2800" dirty="0">
+                <a:solidFill>
+                  <a:schemeClr val="bg2"/>
+                </a:solidFill>
+                <a:latin typeface="Times New Roman" panose="02020603050405020304" pitchFamily="18" charset="0"/>
+                <a:ea typeface="+mn-ea"/>
+                <a:cs typeface="Times New Roman" panose="02020603050405020304" pitchFamily="18" charset="0"/>
+              </a:rPr>
+              <a:t>）演示类的创建以及功能使用。</a:t>
+            </a:r>
+            <a:endParaRPr lang="en-US" altLang="zh-CN" sz="2800" dirty="0">
+              <a:solidFill>
+                <a:schemeClr val="bg2"/>
+              </a:solidFill>
+              <a:latin typeface="Times New Roman" panose="02020603050405020304" pitchFamily="18" charset="0"/>
+              <a:ea typeface="+mn-ea"/>
+              <a:cs typeface="Times New Roman" panose="02020603050405020304" pitchFamily="18" charset="0"/>
+            </a:endParaRPr>
+          </a:p>
+        </p:txBody>
+      </p:sp>
+      <p:sp>
+        <p:nvSpPr>
+          <p:cNvPr id="7" name="标题 2">
+            <a:extLst>
+              <a:ext uri="{FF2B5EF4-FFF2-40B4-BE49-F238E27FC236}">
+                <a16:creationId xmlns:a16="http://schemas.microsoft.com/office/drawing/2014/main" id="{E45E95B0-68E0-6FAC-D1F6-6E7B1378F0FB}"/>
+              </a:ext>
+            </a:extLst>
+          </p:cNvPr>
+          <p:cNvSpPr>
+            <a:spLocks noGrp="1"/>
+          </p:cNvSpPr>
+          <p:nvPr>
+            <p:ph type="title"/>
+          </p:nvPr>
+        </p:nvSpPr>
+        <p:spPr>
+          <a:xfrm>
+            <a:off x="1" y="8526"/>
+            <a:ext cx="10537372" cy="792162"/>
+          </a:xfrm>
+        </p:spPr>
+        <p:txBody>
+          <a:bodyPr/>
+          <a:lstStyle/>
+          <a:p>
+            <a:pPr fontAlgn="auto">
+              <a:spcBef>
+                <a:spcPts val="0"/>
+              </a:spcBef>
+              <a:spcAft>
+                <a:spcPts val="0"/>
+              </a:spcAft>
+            </a:pPr>
+            <a:r>
+              <a:rPr lang="zh-CN" altLang="en-US" dirty="0">
                 <a:latin typeface="+mn-ea"/>
-                <a:ea typeface="+mn-ea"/>
-              </a:rPr>
-              <a:t>（</a:t>
-            </a:r>
-            <a:r>
-              <a:rPr lang="en-US" altLang="zh-CN" sz="2200" dirty="0">
-                <a:solidFill>
-                  <a:srgbClr val="333333"/>
-                </a:solidFill>
-                <a:latin typeface="+mn-ea"/>
-                <a:ea typeface="+mn-ea"/>
-              </a:rPr>
-              <a:t>2</a:t>
-            </a:r>
-            <a:r>
-              <a:rPr lang="zh-CN" altLang="en-US" sz="2200" dirty="0">
-                <a:solidFill>
-                  <a:srgbClr val="333333"/>
-                </a:solidFill>
-                <a:latin typeface="+mn-ea"/>
-                <a:ea typeface="+mn-ea"/>
-              </a:rPr>
-              <a:t>）学生类创建，具有成绩查询功能，计算平均分功能（总体</a:t>
-            </a:r>
-            <a:r>
-              <a:rPr lang="en-US" altLang="zh-CN" sz="2200" dirty="0">
-                <a:solidFill>
-                  <a:srgbClr val="333333"/>
-                </a:solidFill>
-                <a:latin typeface="+mn-ea"/>
-                <a:ea typeface="+mn-ea"/>
-              </a:rPr>
-              <a:t>/</a:t>
-            </a:r>
-            <a:r>
-              <a:rPr lang="zh-CN" altLang="en-US" sz="2200" dirty="0">
-                <a:solidFill>
-                  <a:srgbClr val="333333"/>
-                </a:solidFill>
-                <a:latin typeface="+mn-ea"/>
-                <a:ea typeface="+mn-ea"/>
-              </a:rPr>
-              <a:t>学年），计算加权平均分功能（总体</a:t>
-            </a:r>
-            <a:r>
-              <a:rPr lang="en-US" altLang="zh-CN" sz="2200" dirty="0">
-                <a:solidFill>
-                  <a:srgbClr val="333333"/>
-                </a:solidFill>
-                <a:latin typeface="+mn-ea"/>
-                <a:ea typeface="+mn-ea"/>
-              </a:rPr>
-              <a:t>/</a:t>
-            </a:r>
-            <a:r>
-              <a:rPr lang="zh-CN" altLang="en-US" sz="2200" dirty="0">
-                <a:solidFill>
-                  <a:srgbClr val="333333"/>
-                </a:solidFill>
-                <a:latin typeface="+mn-ea"/>
-                <a:ea typeface="+mn-ea"/>
-              </a:rPr>
-              <a:t>学年）</a:t>
-            </a:r>
-            <a:r>
-              <a:rPr lang="en-US" altLang="zh-CN" sz="2200" dirty="0">
-                <a:solidFill>
-                  <a:srgbClr val="333333"/>
-                </a:solidFill>
-                <a:latin typeface="+mn-ea"/>
-                <a:ea typeface="+mn-ea"/>
-              </a:rPr>
-              <a:t>…</a:t>
+              </a:rPr>
+              <a:t>三、</a:t>
+            </a:r>
+            <a:r>
+              <a:rPr lang="zh-CN" altLang="en-US" dirty="0">
+                <a:latin typeface="微软雅黑" pitchFamily="34" charset="-122"/>
+                <a:ea typeface="微软雅黑" pitchFamily="34" charset="-122"/>
+              </a:rPr>
+              <a:t>函数、类和模块</a:t>
             </a:r>
           </a:p>
         </p:txBody>
@@ -19981,7 +20579,7 @@
     </p:spTree>
     <p:extLst>
       <p:ext uri="{BB962C8B-B14F-4D97-AF65-F5344CB8AC3E}">
-        <p14:creationId xmlns:p14="http://schemas.microsoft.com/office/powerpoint/2010/main" val="1125183986"/>
+        <p14:creationId xmlns:p14="http://schemas.microsoft.com/office/powerpoint/2010/main" val="2896619728"/>
       </p:ext>
     </p:extLst>
   </p:cSld>
@@ -20020,7 +20618,7 @@
         <p:spPr>
           <a:xfrm>
             <a:off x="0" y="3471863"/>
-            <a:ext cx="10668000" cy="1543050"/>
+            <a:ext cx="12192000" cy="1543050"/>
           </a:xfrm>
           <a:prstGeom prst="rect">
             <a:avLst/>
@@ -20057,8 +20655,8 @@
         </p:nvSpPr>
         <p:spPr>
           <a:xfrm>
-            <a:off x="254223" y="3868892"/>
-            <a:ext cx="9136520" cy="707886"/>
+            <a:off x="254222" y="3868892"/>
+            <a:ext cx="6061669" cy="707886"/>
           </a:xfrm>
           <a:prstGeom prst="rect">
             <a:avLst/>
@@ -20097,7 +20695,7 @@
         <p:spPr>
           <a:xfrm>
             <a:off x="0" y="5014912"/>
-            <a:ext cx="10668000" cy="72000"/>
+            <a:ext cx="12192000" cy="72000"/>
           </a:xfrm>
           <a:prstGeom prst="rect">
             <a:avLst/>
@@ -20171,8 +20769,8 @@
         </p:nvSpPr>
         <p:spPr>
           <a:xfrm>
-            <a:off x="1524001" y="8526"/>
-            <a:ext cx="9013371" cy="792162"/>
+            <a:off x="1" y="8526"/>
+            <a:ext cx="10537372" cy="792162"/>
           </a:xfrm>
         </p:spPr>
         <p:txBody>
@@ -20488,7 +21086,7 @@
         </p:nvSpPr>
         <p:spPr>
           <a:xfrm>
-            <a:off x="168362" y="4100998"/>
+            <a:off x="168362" y="4244690"/>
             <a:ext cx="11803743" cy="2478435"/>
           </a:xfrm>
           <a:prstGeom prst="rect">
@@ -20740,8 +21338,8 @@
         </p:nvSpPr>
         <p:spPr>
           <a:xfrm>
-            <a:off x="1524001" y="8526"/>
-            <a:ext cx="9013371" cy="792162"/>
+            <a:off x="1" y="8526"/>
+            <a:ext cx="10537372" cy="792162"/>
           </a:xfrm>
         </p:spPr>
         <p:txBody>
@@ -21250,8 +21848,8 @@
         </p:nvSpPr>
         <p:spPr>
           <a:xfrm>
-            <a:off x="1524001" y="8526"/>
-            <a:ext cx="9013371" cy="792162"/>
+            <a:off x="1" y="8526"/>
+            <a:ext cx="10537372" cy="792162"/>
           </a:xfrm>
         </p:spPr>
         <p:txBody>
@@ -21605,8 +22203,8 @@
         </p:nvSpPr>
         <p:spPr>
           <a:xfrm>
-            <a:off x="1524001" y="8526"/>
-            <a:ext cx="9013371" cy="792162"/>
+            <a:off x="1" y="8526"/>
+            <a:ext cx="10537372" cy="792162"/>
           </a:xfrm>
         </p:spPr>
         <p:txBody>

--- a/第6章-面向对象程序设计/第6章-面向对象程序设计.pptx
+++ b/第6章-面向对象程序设计/第6章-面向对象程序设计.pptx
@@ -2597,7 +2597,7 @@
               </a14:hiddenFill>
             </a:ext>
             <a:ext uri="{FAA26D3D-D897-4be2-8F04-BA451C77F1D7}">
-              <ma14:placeholderFlag xmlns:ma14="http://schemas.microsoft.com/office/mac/drawingml/2011/main" xmlns="" val="1"/>
+              <ma14:placeholderFlag xmlns="" xmlns:ma14="http://schemas.microsoft.com/office/mac/drawingml/2011/main" val="1"/>
             </a:ext>
           </a:extLst>
         </p:spPr>
@@ -2985,7 +2985,7 @@
               </a14:hiddenLine>
             </a:ext>
             <a:ext uri="{FAA26D3D-D897-4be2-8F04-BA451C77F1D7}">
-              <ma14:placeholderFlag xmlns:ma14="http://schemas.microsoft.com/office/mac/drawingml/2011/main" xmlns="" val="1"/>
+              <ma14:placeholderFlag xmlns="" xmlns:ma14="http://schemas.microsoft.com/office/mac/drawingml/2011/main" val="1"/>
             </a:ext>
           </a:extLst>
         </p:spPr>
@@ -6896,7 +6896,7 @@
               </a14:hiddenLine>
             </a:ext>
             <a:ext uri="{FAA26D3D-D897-4be2-8F04-BA451C77F1D7}">
-              <ma14:placeholderFlag xmlns:ma14="http://schemas.microsoft.com/office/mac/drawingml/2011/main" xmlns="" val="1"/>
+              <ma14:placeholderFlag xmlns="" xmlns:ma14="http://schemas.microsoft.com/office/mac/drawingml/2011/main" val="1"/>
             </a:ext>
           </a:extLst>
         </p:spPr>
@@ -10592,7 +10592,7 @@
               </a14:hiddenLine>
             </a:ext>
             <a:ext uri="{FAA26D3D-D897-4be2-8F04-BA451C77F1D7}">
-              <ma14:placeholderFlag xmlns:ma14="http://schemas.microsoft.com/office/mac/drawingml/2011/main" xmlns="" val="1"/>
+              <ma14:placeholderFlag xmlns="" xmlns:ma14="http://schemas.microsoft.com/office/mac/drawingml/2011/main" val="1"/>
             </a:ext>
           </a:extLst>
         </p:spPr>
@@ -13615,7 +13615,7 @@
         <p:spPr>
           <a:xfrm>
             <a:off x="137887" y="919218"/>
-            <a:ext cx="11974284" cy="1231106"/>
+            <a:ext cx="11847284" cy="1231106"/>
           </a:xfrm>
           <a:prstGeom prst="rect">
             <a:avLst/>
@@ -20099,7 +20099,29 @@
                 <a:ea typeface="+mn-ea"/>
                 <a:cs typeface="Times New Roman" panose="02020603050405020304" pitchFamily="18" charset="0"/>
               </a:rPr>
-              <a:t>）学习类的继承，类方法重写，抽象类的使用课程代码。</a:t>
+              <a:t>）学习类的继承，类方法重写，抽象类的使用课程代码（</a:t>
+            </a:r>
+            <a:r>
+              <a:rPr lang="en-US" altLang="zh-CN" sz="2800" dirty="0">
+                <a:solidFill>
+                  <a:schemeClr val="bg2"/>
+                </a:solidFill>
+                <a:latin typeface="Times New Roman" panose="02020603050405020304" pitchFamily="18" charset="0"/>
+                <a:ea typeface="+mn-ea"/>
+                <a:cs typeface="Times New Roman" panose="02020603050405020304" pitchFamily="18" charset="0"/>
+              </a:rPr>
+              <a:t>1</a:t>
+            </a:r>
+            <a:r>
+              <a:rPr lang="zh-CN" altLang="en-US" sz="2800" dirty="0">
+                <a:solidFill>
+                  <a:schemeClr val="bg2"/>
+                </a:solidFill>
+                <a:latin typeface="Times New Roman" panose="02020603050405020304" pitchFamily="18" charset="0"/>
+                <a:ea typeface="+mn-ea"/>
+                <a:cs typeface="Times New Roman" panose="02020603050405020304" pitchFamily="18" charset="0"/>
+              </a:rPr>
+              <a:t>学时）。</a:t>
             </a:r>
             <a:endParaRPr lang="en-US" altLang="zh-CN" sz="2800" dirty="0">
               <a:solidFill>

--- a/第6章-面向对象程序设计/第6章-面向对象程序设计.pptx
+++ b/第6章-面向对象程序设计/第6章-面向对象程序设计.pptx
@@ -22023,7 +22023,27 @@
                 <a:latin typeface="Microsoft YaHei" panose="020B0503020204020204" pitchFamily="34" charset="-122"/>
                 <a:ea typeface="Microsoft YaHei" panose="020B0503020204020204" pitchFamily="34" charset="-122"/>
               </a:rPr>
-              <a:t>__inti__()</a:t>
+              <a:t>__</a:t>
+            </a:r>
+            <a:r>
+              <a:rPr lang="en-US" altLang="zh-CN" sz="2800" b="1" dirty="0" err="1">
+                <a:solidFill>
+                  <a:schemeClr val="accent2"/>
+                </a:solidFill>
+                <a:latin typeface="Microsoft YaHei" panose="020B0503020204020204" pitchFamily="34" charset="-122"/>
+                <a:ea typeface="Microsoft YaHei" panose="020B0503020204020204" pitchFamily="34" charset="-122"/>
+              </a:rPr>
+              <a:t>init</a:t>
+            </a:r>
+            <a:r>
+              <a:rPr lang="en-US" altLang="zh-CN" sz="2800" b="1" dirty="0">
+                <a:solidFill>
+                  <a:schemeClr val="accent2"/>
+                </a:solidFill>
+                <a:latin typeface="Microsoft YaHei" panose="020B0503020204020204" pitchFamily="34" charset="-122"/>
+                <a:ea typeface="Microsoft YaHei" panose="020B0503020204020204" pitchFamily="34" charset="-122"/>
+              </a:rPr>
+              <a:t>__()</a:t>
             </a:r>
             <a:r>
               <a:rPr lang="zh-CN" altLang="en-US" sz="2800" dirty="0">
